--- a/M35-HTML-CSS/Session 14-15/Chapter 13 How to work with forms Reviewed.pptx
+++ b/M35-HTML-CSS/Session 14-15/Chapter 13 How to work with forms Reviewed.pptx
@@ -5,7 +5,7 @@
     <p:sldMasterId id="2147483648" r:id="rId1"/>
   </p:sldMasterIdLst>
   <p:notesMasterIdLst>
-    <p:notesMasterId r:id="rId66"/>
+    <p:notesMasterId r:id="rId65"/>
   </p:notesMasterIdLst>
   <p:sldIdLst>
     <p:sldId id="256" r:id="rId2"/>
@@ -47,31 +47,30 @@
     <p:sldId id="324" r:id="rId38"/>
     <p:sldId id="288" r:id="rId39"/>
     <p:sldId id="289" r:id="rId40"/>
-    <p:sldId id="290" r:id="rId41"/>
-    <p:sldId id="291" r:id="rId42"/>
-    <p:sldId id="292" r:id="rId43"/>
-    <p:sldId id="293" r:id="rId44"/>
-    <p:sldId id="294" r:id="rId45"/>
-    <p:sldId id="321" r:id="rId46"/>
-    <p:sldId id="295" r:id="rId47"/>
-    <p:sldId id="296" r:id="rId48"/>
-    <p:sldId id="297" r:id="rId49"/>
-    <p:sldId id="298" r:id="rId50"/>
-    <p:sldId id="299" r:id="rId51"/>
-    <p:sldId id="300" r:id="rId52"/>
-    <p:sldId id="301" r:id="rId53"/>
-    <p:sldId id="302" r:id="rId54"/>
-    <p:sldId id="303" r:id="rId55"/>
-    <p:sldId id="307" r:id="rId56"/>
-    <p:sldId id="308" r:id="rId57"/>
-    <p:sldId id="322" r:id="rId58"/>
-    <p:sldId id="309" r:id="rId59"/>
-    <p:sldId id="310" r:id="rId60"/>
-    <p:sldId id="311" r:id="rId61"/>
-    <p:sldId id="312" r:id="rId62"/>
-    <p:sldId id="260" r:id="rId63"/>
-    <p:sldId id="313" r:id="rId64"/>
-    <p:sldId id="261" r:id="rId65"/>
+    <p:sldId id="291" r:id="rId41"/>
+    <p:sldId id="292" r:id="rId42"/>
+    <p:sldId id="293" r:id="rId43"/>
+    <p:sldId id="294" r:id="rId44"/>
+    <p:sldId id="321" r:id="rId45"/>
+    <p:sldId id="295" r:id="rId46"/>
+    <p:sldId id="296" r:id="rId47"/>
+    <p:sldId id="297" r:id="rId48"/>
+    <p:sldId id="298" r:id="rId49"/>
+    <p:sldId id="299" r:id="rId50"/>
+    <p:sldId id="300" r:id="rId51"/>
+    <p:sldId id="301" r:id="rId52"/>
+    <p:sldId id="302" r:id="rId53"/>
+    <p:sldId id="303" r:id="rId54"/>
+    <p:sldId id="307" r:id="rId55"/>
+    <p:sldId id="308" r:id="rId56"/>
+    <p:sldId id="322" r:id="rId57"/>
+    <p:sldId id="309" r:id="rId58"/>
+    <p:sldId id="310" r:id="rId59"/>
+    <p:sldId id="311" r:id="rId60"/>
+    <p:sldId id="312" r:id="rId61"/>
+    <p:sldId id="260" r:id="rId62"/>
+    <p:sldId id="313" r:id="rId63"/>
+    <p:sldId id="261" r:id="rId64"/>
   </p:sldIdLst>
   <p:sldSz cx="9144000" cy="6858000" type="screen4x3"/>
   <p:notesSz cx="6858000" cy="9144000"/>
@@ -1171,7 +1170,7 @@
             <a:fld id="{C8AC33F9-044C-4B38-8B6C-236C15A0E77C}" type="slidenum">
               <a:rPr lang="en-US" smtClean="0"/>
               <a:pPr/>
-              <a:t>52</a:t>
+              <a:t>51</a:t>
             </a:fld>
             <a:endParaRPr lang="en-US"/>
           </a:p>
@@ -1302,7 +1301,7 @@
             <a:fld id="{C8AC33F9-044C-4B38-8B6C-236C15A0E77C}" type="slidenum">
               <a:rPr lang="en-US" smtClean="0"/>
               <a:pPr/>
-              <a:t>62</a:t>
+              <a:t>61</a:t>
             </a:fld>
             <a:endParaRPr lang="en-US"/>
           </a:p>
@@ -1421,7 +1420,7 @@
             <a:fld id="{C8AC33F9-044C-4B38-8B6C-236C15A0E77C}" type="slidenum">
               <a:rPr lang="en-US" smtClean="0"/>
               <a:pPr/>
-              <a:t>64</a:t>
+              <a:t>63</a:t>
             </a:fld>
             <a:endParaRPr lang="en-US"/>
           </a:p>
@@ -9118,205 +9117,6 @@
             <p:ph type="title"/>
           </p:nvPr>
         </p:nvSpPr>
-        <p:spPr>
-          <a:xfrm>
-            <a:off x="228600" y="274638"/>
-            <a:ext cx="8763000" cy="1143000"/>
-          </a:xfrm>
-        </p:spPr>
-        <p:txBody>
-          <a:bodyPr/>
-          <a:lstStyle/>
-          <a:p>
-            <a:r>
-              <a:rPr lang="en-US" dirty="0" smtClean="0"/>
-              <a:t>CSS3 </a:t>
-            </a:r>
-            <a:r>
-              <a:rPr lang="en-US" dirty="0"/>
-              <a:t>selectors for data validation</a:t>
-            </a:r>
-          </a:p>
-        </p:txBody>
-      </p:sp>
-      <p:sp>
-        <p:nvSpPr>
-          <p:cNvPr id="3" name="Content Placeholder 2"/>
-          <p:cNvSpPr>
-            <a:spLocks noGrp="1"/>
-          </p:cNvSpPr>
-          <p:nvPr>
-            <p:ph idx="1"/>
-          </p:nvPr>
-        </p:nvSpPr>
-        <p:spPr/>
-        <p:txBody>
-          <a:bodyPr/>
-          <a:lstStyle/>
-          <a:p>
-            <a:pPr marL="0" indent="0">
-              <a:buNone/>
-            </a:pPr>
-            <a:r>
-              <a:rPr lang="en-US" sz="2800" dirty="0" smtClean="0">
-                <a:latin typeface="Tahoma"/>
-                <a:cs typeface="Tahoma"/>
-              </a:rPr>
-              <a:t>The CSS3 pseudo-classes for required, valid, and invalid fields </a:t>
-            </a:r>
-          </a:p>
-          <a:p>
-            <a:pPr marL="0" indent="0">
-              <a:buNone/>
-            </a:pPr>
-            <a:endParaRPr lang="en-US" sz="2800" dirty="0">
-              <a:latin typeface="Tahoma"/>
-              <a:cs typeface="Tahoma"/>
-            </a:endParaRPr>
-          </a:p>
-          <a:p>
-            <a:pPr marL="0" indent="0">
-              <a:buNone/>
-            </a:pPr>
-            <a:endParaRPr lang="en-US" sz="2800" dirty="0" smtClean="0">
-              <a:latin typeface="Tahoma"/>
-              <a:cs typeface="Tahoma"/>
-            </a:endParaRPr>
-          </a:p>
-          <a:p>
-            <a:pPr marL="0" indent="0">
-              <a:buNone/>
-            </a:pPr>
-            <a:endParaRPr lang="en-US" sz="2800" dirty="0">
-              <a:latin typeface="Tahoma"/>
-              <a:cs typeface="Tahoma"/>
-            </a:endParaRPr>
-          </a:p>
-          <a:p>
-            <a:pPr marL="0" indent="0">
-              <a:buNone/>
-            </a:pPr>
-            <a:r>
-              <a:rPr lang="en-US" sz="2800" dirty="0" smtClean="0">
-                <a:latin typeface="Tahoma"/>
-                <a:cs typeface="Tahoma"/>
-              </a:rPr>
-              <a:t>A CSS attribute selector for all controls with the required attribute</a:t>
-            </a:r>
-            <a:endParaRPr lang="en-US" sz="2800" dirty="0">
-              <a:latin typeface="Tahoma"/>
-              <a:cs typeface="Tahoma"/>
-            </a:endParaRPr>
-          </a:p>
-        </p:txBody>
-      </p:sp>
-      <p:pic>
-        <p:nvPicPr>
-          <p:cNvPr id="4" name="Picture 3" descr="Screen Shot 2014-04-19 at 10.12.29 PM.png"/>
-          <p:cNvPicPr>
-            <a:picLocks noChangeAspect="1"/>
-          </p:cNvPicPr>
-          <p:nvPr/>
-        </p:nvPicPr>
-        <p:blipFill>
-          <a:blip r:embed="rId2" cstate="print">
-            <a:extLst>
-              <a:ext uri="{28A0092B-C50C-407E-A947-70E740481C1C}">
-                <a14:useLocalDpi xmlns:a14="http://schemas.microsoft.com/office/drawing/2010/main" val="0"/>
-              </a:ext>
-            </a:extLst>
-          </a:blip>
-          <a:stretch>
-            <a:fillRect/>
-          </a:stretch>
-        </p:blipFill>
-        <p:spPr>
-          <a:xfrm>
-            <a:off x="1524000" y="2667000"/>
-            <a:ext cx="3505200" cy="976448"/>
-          </a:xfrm>
-          <a:prstGeom prst="rect">
-            <a:avLst/>
-          </a:prstGeom>
-        </p:spPr>
-      </p:pic>
-      <p:pic>
-        <p:nvPicPr>
-          <p:cNvPr id="5" name="Picture 4" descr="Screen Shot 2014-04-19 at 10.12.33 PM.png"/>
-          <p:cNvPicPr>
-            <a:picLocks noChangeAspect="1"/>
-          </p:cNvPicPr>
-          <p:nvPr/>
-        </p:nvPicPr>
-        <p:blipFill>
-          <a:blip r:embed="rId3" cstate="print">
-            <a:extLst>
-              <a:ext uri="{28A0092B-C50C-407E-A947-70E740481C1C}">
-                <a14:useLocalDpi xmlns:a14="http://schemas.microsoft.com/office/drawing/2010/main" val="0"/>
-              </a:ext>
-            </a:extLst>
-          </a:blip>
-          <a:stretch>
-            <a:fillRect/>
-          </a:stretch>
-        </p:blipFill>
-        <p:spPr>
-          <a:xfrm>
-            <a:off x="1676400" y="5105400"/>
-            <a:ext cx="3505200" cy="888304"/>
-          </a:xfrm>
-          <a:prstGeom prst="rect">
-            <a:avLst/>
-          </a:prstGeom>
-        </p:spPr>
-      </p:pic>
-    </p:spTree>
-    <p:extLst>
-      <p:ext uri="{BB962C8B-B14F-4D97-AF65-F5344CB8AC3E}">
-        <p14:creationId xmlns:p14="http://schemas.microsoft.com/office/powerpoint/2010/main" val="1081828065"/>
-      </p:ext>
-    </p:extLst>
-  </p:cSld>
-  <p:clrMapOvr>
-    <a:masterClrMapping/>
-  </p:clrMapOvr>
-  <p:timing>
-    <p:tnLst>
-      <p:par>
-        <p:cTn id="1" dur="indefinite" restart="never" nodeType="tmRoot"/>
-      </p:par>
-    </p:tnLst>
-  </p:timing>
-</p:sld>
-</file>
-
-<file path=ppt/slides/slide41.xml><?xml version="1.0" encoding="utf-8"?>
-<p:sld xmlns:a="http://schemas.openxmlformats.org/drawingml/2006/main" xmlns:r="http://schemas.openxmlformats.org/officeDocument/2006/relationships" xmlns:p="http://schemas.openxmlformats.org/presentationml/2006/main">
-  <p:cSld>
-    <p:spTree>
-      <p:nvGrpSpPr>
-        <p:cNvPr id="1" name=""/>
-        <p:cNvGrpSpPr/>
-        <p:nvPr/>
-      </p:nvGrpSpPr>
-      <p:grpSpPr>
-        <a:xfrm>
-          <a:off x="0" y="0"/>
-          <a:ext cx="0" cy="0"/>
-          <a:chOff x="0" y="0"/>
-          <a:chExt cx="0" cy="0"/>
-        </a:xfrm>
-      </p:grpSpPr>
-      <p:sp>
-        <p:nvSpPr>
-          <p:cNvPr id="2" name="Title 1"/>
-          <p:cNvSpPr>
-            <a:spLocks noGrp="1"/>
-          </p:cNvSpPr>
-          <p:nvPr>
-            <p:ph type="title"/>
-          </p:nvPr>
-        </p:nvSpPr>
         <p:spPr/>
         <p:txBody>
           <a:bodyPr/>
@@ -9459,7 +9259,7 @@
 </p:sld>
 </file>
 
-<file path=ppt/slides/slide42.xml><?xml version="1.0" encoding="utf-8"?>
+<file path=ppt/slides/slide41.xml><?xml version="1.0" encoding="utf-8"?>
 <p:sld xmlns:a="http://schemas.openxmlformats.org/drawingml/2006/main" xmlns:r="http://schemas.openxmlformats.org/officeDocument/2006/relationships" xmlns:p="http://schemas.openxmlformats.org/presentationml/2006/main">
   <p:cSld>
     <p:spTree>
@@ -9719,7 +9519,7 @@
 </p:sld>
 </file>
 
-<file path=ppt/slides/slide43.xml><?xml version="1.0" encoding="utf-8"?>
+<file path=ppt/slides/slide42.xml><?xml version="1.0" encoding="utf-8"?>
 <p:sld xmlns:a="http://schemas.openxmlformats.org/drawingml/2006/main" xmlns:r="http://schemas.openxmlformats.org/officeDocument/2006/relationships" xmlns:p="http://schemas.openxmlformats.org/presentationml/2006/main">
   <p:cSld>
     <p:spTree>
@@ -9909,7 +9709,7 @@
 </p:sld>
 </file>
 
-<file path=ppt/slides/slide44.xml><?xml version="1.0" encoding="utf-8"?>
+<file path=ppt/slides/slide43.xml><?xml version="1.0" encoding="utf-8"?>
 <p:sld xmlns:a="http://schemas.openxmlformats.org/drawingml/2006/main" xmlns:r="http://schemas.openxmlformats.org/officeDocument/2006/relationships" xmlns:p="http://schemas.openxmlformats.org/presentationml/2006/main">
   <p:cSld>
     <p:spTree>
@@ -10035,7 +9835,7 @@
 </p:sld>
 </file>
 
-<file path=ppt/slides/slide45.xml><?xml version="1.0" encoding="utf-8"?>
+<file path=ppt/slides/slide44.xml><?xml version="1.0" encoding="utf-8"?>
 <p:sld xmlns:a="http://schemas.openxmlformats.org/drawingml/2006/main" xmlns:r="http://schemas.openxmlformats.org/officeDocument/2006/relationships" xmlns:p="http://schemas.openxmlformats.org/presentationml/2006/main">
   <p:cSld>
     <p:spTree>
@@ -10163,7 +9963,7 @@
 </p:sld>
 </file>
 
-<file path=ppt/slides/slide46.xml><?xml version="1.0" encoding="utf-8"?>
+<file path=ppt/slides/slide45.xml><?xml version="1.0" encoding="utf-8"?>
 <p:sld xmlns:a="http://schemas.openxmlformats.org/drawingml/2006/main" xmlns:r="http://schemas.openxmlformats.org/officeDocument/2006/relationships" xmlns:p="http://schemas.openxmlformats.org/presentationml/2006/main">
   <p:cSld>
     <p:spTree>
@@ -10234,7 +10034,7 @@
 </p:sld>
 </file>
 
-<file path=ppt/slides/slide47.xml><?xml version="1.0" encoding="utf-8"?>
+<file path=ppt/slides/slide46.xml><?xml version="1.0" encoding="utf-8"?>
 <p:sld xmlns:a="http://schemas.openxmlformats.org/drawingml/2006/main" xmlns:r="http://schemas.openxmlformats.org/officeDocument/2006/relationships" xmlns:p="http://schemas.openxmlformats.org/presentationml/2006/main">
   <p:cSld>
     <p:spTree>
@@ -10397,7 +10197,7 @@
 </p:sld>
 </file>
 
-<file path=ppt/slides/slide48.xml><?xml version="1.0" encoding="utf-8"?>
+<file path=ppt/slides/slide47.xml><?xml version="1.0" encoding="utf-8"?>
 <p:sld xmlns:a="http://schemas.openxmlformats.org/drawingml/2006/main" xmlns:r="http://schemas.openxmlformats.org/officeDocument/2006/relationships" xmlns:p="http://schemas.openxmlformats.org/presentationml/2006/main">
   <p:cSld>
     <p:spTree>
@@ -10511,7 +10311,7 @@
 </p:sld>
 </file>
 
-<file path=ppt/slides/slide49.xml><?xml version="1.0" encoding="utf-8"?>
+<file path=ppt/slides/slide48.xml><?xml version="1.0" encoding="utf-8"?>
 <p:sld xmlns:a="http://schemas.openxmlformats.org/drawingml/2006/main" xmlns:r="http://schemas.openxmlformats.org/officeDocument/2006/relationships" xmlns:p="http://schemas.openxmlformats.org/presentationml/2006/main">
   <p:cSld>
     <p:spTree>
@@ -10646,170 +10446,7 @@
 </p:sld>
 </file>
 
-<file path=ppt/slides/slide5.xml><?xml version="1.0" encoding="utf-8"?>
-<p:sld xmlns:a="http://schemas.openxmlformats.org/drawingml/2006/main" xmlns:r="http://schemas.openxmlformats.org/officeDocument/2006/relationships" xmlns:p="http://schemas.openxmlformats.org/presentationml/2006/main">
-  <p:cSld>
-    <p:spTree>
-      <p:nvGrpSpPr>
-        <p:cNvPr id="1" name=""/>
-        <p:cNvGrpSpPr/>
-        <p:nvPr/>
-      </p:nvGrpSpPr>
-      <p:grpSpPr>
-        <a:xfrm>
-          <a:off x="0" y="0"/>
-          <a:ext cx="0" cy="0"/>
-          <a:chOff x="0" y="0"/>
-          <a:chExt cx="0" cy="0"/>
-        </a:xfrm>
-      </p:grpSpPr>
-      <p:sp>
-        <p:nvSpPr>
-          <p:cNvPr id="2" name="Title 1"/>
-          <p:cNvSpPr>
-            <a:spLocks noGrp="1"/>
-          </p:cNvSpPr>
-          <p:nvPr>
-            <p:ph type="title"/>
-          </p:nvPr>
-        </p:nvSpPr>
-        <p:spPr/>
-        <p:txBody>
-          <a:bodyPr/>
-          <a:lstStyle/>
-          <a:p>
-            <a:r>
-              <a:rPr lang="en-US" dirty="0"/>
-              <a:t>How to create a </a:t>
-            </a:r>
-            <a:r>
-              <a:rPr lang="en-US" dirty="0" smtClean="0"/>
-              <a:t>form (cont.)</a:t>
-            </a:r>
-            <a:endParaRPr lang="en-US" dirty="0"/>
-          </a:p>
-        </p:txBody>
-      </p:sp>
-      <p:sp>
-        <p:nvSpPr>
-          <p:cNvPr id="3" name="Content Placeholder 2"/>
-          <p:cNvSpPr>
-            <a:spLocks noGrp="1"/>
-          </p:cNvSpPr>
-          <p:nvPr>
-            <p:ph idx="1"/>
-          </p:nvPr>
-        </p:nvSpPr>
-        <p:spPr>
-          <a:xfrm>
-            <a:off x="457200" y="1371600"/>
-            <a:ext cx="8229600" cy="4525963"/>
-          </a:xfrm>
-        </p:spPr>
-        <p:txBody>
-          <a:bodyPr/>
-          <a:lstStyle/>
-          <a:p>
-            <a:pPr marL="0" indent="0">
-              <a:buNone/>
-            </a:pPr>
-            <a:r>
-              <a:rPr lang="en-US" sz="2800" dirty="0" smtClean="0">
-                <a:latin typeface="Tahoma"/>
-                <a:cs typeface="Tahoma"/>
-              </a:rPr>
-              <a:t>Attributes common to most input elements</a:t>
-            </a:r>
-          </a:p>
-          <a:p>
-            <a:pPr marL="0" indent="0">
-              <a:buNone/>
-            </a:pPr>
-            <a:endParaRPr lang="en-US" sz="2800" dirty="0">
-              <a:latin typeface="Tahoma"/>
-              <a:cs typeface="Tahoma"/>
-            </a:endParaRPr>
-          </a:p>
-          <a:p>
-            <a:pPr marL="0" indent="0">
-              <a:buNone/>
-            </a:pPr>
-            <a:endParaRPr lang="en-US" sz="2800" dirty="0" smtClean="0">
-              <a:latin typeface="Tahoma"/>
-              <a:cs typeface="Tahoma"/>
-            </a:endParaRPr>
-          </a:p>
-          <a:p>
-            <a:pPr marL="0" indent="0">
-              <a:buNone/>
-            </a:pPr>
-            <a:endParaRPr lang="en-US" sz="2800" dirty="0">
-              <a:latin typeface="Tahoma"/>
-              <a:cs typeface="Tahoma"/>
-            </a:endParaRPr>
-          </a:p>
-          <a:p>
-            <a:pPr marL="0" indent="0">
-              <a:buNone/>
-            </a:pPr>
-            <a:endParaRPr lang="en-US" sz="2800" dirty="0" smtClean="0">
-              <a:latin typeface="Tahoma"/>
-              <a:cs typeface="Tahoma"/>
-            </a:endParaRPr>
-          </a:p>
-        </p:txBody>
-      </p:sp>
-      <p:pic>
-        <p:nvPicPr>
-          <p:cNvPr id="4" name="Picture 3" descr="Screen Shot 2014-04-19 at 8.59.44 PM.png"/>
-          <p:cNvPicPr>
-            <a:picLocks noChangeAspect="1"/>
-          </p:cNvPicPr>
-          <p:nvPr/>
-        </p:nvPicPr>
-        <p:blipFill>
-          <a:blip r:embed="rId2" cstate="print">
-            <a:extLst>
-              <a:ext uri="{28A0092B-C50C-407E-A947-70E740481C1C}">
-                <a14:useLocalDpi xmlns:a14="http://schemas.microsoft.com/office/drawing/2010/main" val="0"/>
-              </a:ext>
-            </a:extLst>
-          </a:blip>
-          <a:stretch>
-            <a:fillRect/>
-          </a:stretch>
-        </p:blipFill>
-        <p:spPr>
-          <a:xfrm>
-            <a:off x="838200" y="1905000"/>
-            <a:ext cx="7772400" cy="2041705"/>
-          </a:xfrm>
-          <a:prstGeom prst="rect">
-            <a:avLst/>
-          </a:prstGeom>
-        </p:spPr>
-      </p:pic>
-    </p:spTree>
-    <p:extLst>
-      <p:ext uri="{BB962C8B-B14F-4D97-AF65-F5344CB8AC3E}">
-        <p14:creationId xmlns:p14="http://schemas.microsoft.com/office/powerpoint/2010/main" val="3458802356"/>
-      </p:ext>
-    </p:extLst>
-  </p:cSld>
-  <p:clrMapOvr>
-    <a:masterClrMapping/>
-  </p:clrMapOvr>
-  <p:timing>
-    <p:tnLst>
-      <p:par>
-        <p:cTn id="1" dur="indefinite" restart="never" nodeType="tmRoot"/>
-      </p:par>
-    </p:tnLst>
-  </p:timing>
-</p:sld>
-</file>
-
-<file path=ppt/slides/slide50.xml><?xml version="1.0" encoding="utf-8"?>
+<file path=ppt/slides/slide49.xml><?xml version="1.0" encoding="utf-8"?>
 <p:sld xmlns:a="http://schemas.openxmlformats.org/drawingml/2006/main" xmlns:r="http://schemas.openxmlformats.org/officeDocument/2006/relationships" xmlns:p="http://schemas.openxmlformats.org/presentationml/2006/main">
   <p:cSld>
     <p:spTree>
@@ -10922,7 +10559,170 @@
 </p:sld>
 </file>
 
-<file path=ppt/slides/slide51.xml><?xml version="1.0" encoding="utf-8"?>
+<file path=ppt/slides/slide5.xml><?xml version="1.0" encoding="utf-8"?>
+<p:sld xmlns:a="http://schemas.openxmlformats.org/drawingml/2006/main" xmlns:r="http://schemas.openxmlformats.org/officeDocument/2006/relationships" xmlns:p="http://schemas.openxmlformats.org/presentationml/2006/main">
+  <p:cSld>
+    <p:spTree>
+      <p:nvGrpSpPr>
+        <p:cNvPr id="1" name=""/>
+        <p:cNvGrpSpPr/>
+        <p:nvPr/>
+      </p:nvGrpSpPr>
+      <p:grpSpPr>
+        <a:xfrm>
+          <a:off x="0" y="0"/>
+          <a:ext cx="0" cy="0"/>
+          <a:chOff x="0" y="0"/>
+          <a:chExt cx="0" cy="0"/>
+        </a:xfrm>
+      </p:grpSpPr>
+      <p:sp>
+        <p:nvSpPr>
+          <p:cNvPr id="2" name="Title 1"/>
+          <p:cNvSpPr>
+            <a:spLocks noGrp="1"/>
+          </p:cNvSpPr>
+          <p:nvPr>
+            <p:ph type="title"/>
+          </p:nvPr>
+        </p:nvSpPr>
+        <p:spPr/>
+        <p:txBody>
+          <a:bodyPr/>
+          <a:lstStyle/>
+          <a:p>
+            <a:r>
+              <a:rPr lang="en-US" dirty="0"/>
+              <a:t>How to create a </a:t>
+            </a:r>
+            <a:r>
+              <a:rPr lang="en-US" dirty="0" smtClean="0"/>
+              <a:t>form (cont.)</a:t>
+            </a:r>
+            <a:endParaRPr lang="en-US" dirty="0"/>
+          </a:p>
+        </p:txBody>
+      </p:sp>
+      <p:sp>
+        <p:nvSpPr>
+          <p:cNvPr id="3" name="Content Placeholder 2"/>
+          <p:cNvSpPr>
+            <a:spLocks noGrp="1"/>
+          </p:cNvSpPr>
+          <p:nvPr>
+            <p:ph idx="1"/>
+          </p:nvPr>
+        </p:nvSpPr>
+        <p:spPr>
+          <a:xfrm>
+            <a:off x="457200" y="1371600"/>
+            <a:ext cx="8229600" cy="4525963"/>
+          </a:xfrm>
+        </p:spPr>
+        <p:txBody>
+          <a:bodyPr/>
+          <a:lstStyle/>
+          <a:p>
+            <a:pPr marL="0" indent="0">
+              <a:buNone/>
+            </a:pPr>
+            <a:r>
+              <a:rPr lang="en-US" sz="2800" dirty="0" smtClean="0">
+                <a:latin typeface="Tahoma"/>
+                <a:cs typeface="Tahoma"/>
+              </a:rPr>
+              <a:t>Attributes common to most input elements</a:t>
+            </a:r>
+          </a:p>
+          <a:p>
+            <a:pPr marL="0" indent="0">
+              <a:buNone/>
+            </a:pPr>
+            <a:endParaRPr lang="en-US" sz="2800" dirty="0">
+              <a:latin typeface="Tahoma"/>
+              <a:cs typeface="Tahoma"/>
+            </a:endParaRPr>
+          </a:p>
+          <a:p>
+            <a:pPr marL="0" indent="0">
+              <a:buNone/>
+            </a:pPr>
+            <a:endParaRPr lang="en-US" sz="2800" dirty="0" smtClean="0">
+              <a:latin typeface="Tahoma"/>
+              <a:cs typeface="Tahoma"/>
+            </a:endParaRPr>
+          </a:p>
+          <a:p>
+            <a:pPr marL="0" indent="0">
+              <a:buNone/>
+            </a:pPr>
+            <a:endParaRPr lang="en-US" sz="2800" dirty="0">
+              <a:latin typeface="Tahoma"/>
+              <a:cs typeface="Tahoma"/>
+            </a:endParaRPr>
+          </a:p>
+          <a:p>
+            <a:pPr marL="0" indent="0">
+              <a:buNone/>
+            </a:pPr>
+            <a:endParaRPr lang="en-US" sz="2800" dirty="0" smtClean="0">
+              <a:latin typeface="Tahoma"/>
+              <a:cs typeface="Tahoma"/>
+            </a:endParaRPr>
+          </a:p>
+        </p:txBody>
+      </p:sp>
+      <p:pic>
+        <p:nvPicPr>
+          <p:cNvPr id="4" name="Picture 3" descr="Screen Shot 2014-04-19 at 8.59.44 PM.png"/>
+          <p:cNvPicPr>
+            <a:picLocks noChangeAspect="1"/>
+          </p:cNvPicPr>
+          <p:nvPr/>
+        </p:nvPicPr>
+        <p:blipFill>
+          <a:blip r:embed="rId2" cstate="print">
+            <a:extLst>
+              <a:ext uri="{28A0092B-C50C-407E-A947-70E740481C1C}">
+                <a14:useLocalDpi xmlns:a14="http://schemas.microsoft.com/office/drawing/2010/main" val="0"/>
+              </a:ext>
+            </a:extLst>
+          </a:blip>
+          <a:stretch>
+            <a:fillRect/>
+          </a:stretch>
+        </p:blipFill>
+        <p:spPr>
+          <a:xfrm>
+            <a:off x="838200" y="1905000"/>
+            <a:ext cx="7772400" cy="2041705"/>
+          </a:xfrm>
+          <a:prstGeom prst="rect">
+            <a:avLst/>
+          </a:prstGeom>
+        </p:spPr>
+      </p:pic>
+    </p:spTree>
+    <p:extLst>
+      <p:ext uri="{BB962C8B-B14F-4D97-AF65-F5344CB8AC3E}">
+        <p14:creationId xmlns:p14="http://schemas.microsoft.com/office/powerpoint/2010/main" val="3458802356"/>
+      </p:ext>
+    </p:extLst>
+  </p:cSld>
+  <p:clrMapOvr>
+    <a:masterClrMapping/>
+  </p:clrMapOvr>
+  <p:timing>
+    <p:tnLst>
+      <p:par>
+        <p:cTn id="1" dur="indefinite" restart="never" nodeType="tmRoot"/>
+      </p:par>
+    </p:tnLst>
+  </p:timing>
+</p:sld>
+</file>
+
+<file path=ppt/slides/slide50.xml><?xml version="1.0" encoding="utf-8"?>
 <p:sld xmlns:a="http://schemas.openxmlformats.org/drawingml/2006/main" xmlns:r="http://schemas.openxmlformats.org/officeDocument/2006/relationships" xmlns:p="http://schemas.openxmlformats.org/presentationml/2006/main">
   <p:cSld>
     <p:spTree>
@@ -11095,7 +10895,7 @@
 </p:sld>
 </file>
 
-<file path=ppt/slides/slide52.xml><?xml version="1.0" encoding="utf-8"?>
+<file path=ppt/slides/slide51.xml><?xml version="1.0" encoding="utf-8"?>
 <p:sld xmlns:a="http://schemas.openxmlformats.org/drawingml/2006/main" xmlns:r="http://schemas.openxmlformats.org/officeDocument/2006/relationships" xmlns:p="http://schemas.openxmlformats.org/presentationml/2006/main">
   <p:cSld>
     <p:spTree>
@@ -11208,7 +11008,7 @@
 </p:sld>
 </file>
 
-<file path=ppt/slides/slide53.xml><?xml version="1.0" encoding="utf-8"?>
+<file path=ppt/slides/slide52.xml><?xml version="1.0" encoding="utf-8"?>
 <p:sld xmlns:a="http://schemas.openxmlformats.org/drawingml/2006/main" xmlns:r="http://schemas.openxmlformats.org/officeDocument/2006/relationships" xmlns:p="http://schemas.openxmlformats.org/presentationml/2006/main">
   <p:cSld>
     <p:spTree>
@@ -11405,7 +11205,7 @@
 </p:sld>
 </file>
 
-<file path=ppt/slides/slide54.xml><?xml version="1.0" encoding="utf-8"?>
+<file path=ppt/slides/slide53.xml><?xml version="1.0" encoding="utf-8"?>
 <p:sld xmlns:a="http://schemas.openxmlformats.org/drawingml/2006/main" xmlns:r="http://schemas.openxmlformats.org/officeDocument/2006/relationships" xmlns:p="http://schemas.openxmlformats.org/presentationml/2006/main">
   <p:cSld>
     <p:spTree>
@@ -11588,7 +11388,7 @@
 </p:sld>
 </file>
 
-<file path=ppt/slides/slide55.xml><?xml version="1.0" encoding="utf-8"?>
+<file path=ppt/slides/slide54.xml><?xml version="1.0" encoding="utf-8"?>
 <p:sld xmlns:a="http://schemas.openxmlformats.org/drawingml/2006/main" xmlns:r="http://schemas.openxmlformats.org/officeDocument/2006/relationships" xmlns:p="http://schemas.openxmlformats.org/presentationml/2006/main">
   <p:cSld>
     <p:spTree>
@@ -11733,7 +11533,7 @@
 </p:sld>
 </file>
 
-<file path=ppt/slides/slide56.xml><?xml version="1.0" encoding="utf-8"?>
+<file path=ppt/slides/slide55.xml><?xml version="1.0" encoding="utf-8"?>
 <p:sld xmlns:a="http://schemas.openxmlformats.org/drawingml/2006/main" xmlns:r="http://schemas.openxmlformats.org/officeDocument/2006/relationships" xmlns:p="http://schemas.openxmlformats.org/presentationml/2006/main">
   <p:cSld>
     <p:spTree>
@@ -11823,7 +11623,7 @@
 </p:sld>
 </file>
 
-<file path=ppt/slides/slide57.xml><?xml version="1.0" encoding="utf-8"?>
+<file path=ppt/slides/slide56.xml><?xml version="1.0" encoding="utf-8"?>
 <p:sld xmlns:a="http://schemas.openxmlformats.org/drawingml/2006/main" xmlns:r="http://schemas.openxmlformats.org/officeDocument/2006/relationships" xmlns:p="http://schemas.openxmlformats.org/presentationml/2006/main">
   <p:cSld>
     <p:spTree>
@@ -11907,7 +11707,7 @@
 </p:sld>
 </file>
 
-<file path=ppt/slides/slide58.xml><?xml version="1.0" encoding="utf-8"?>
+<file path=ppt/slides/slide57.xml><?xml version="1.0" encoding="utf-8"?>
 <p:sld xmlns:a="http://schemas.openxmlformats.org/drawingml/2006/main" xmlns:r="http://schemas.openxmlformats.org/officeDocument/2006/relationships" xmlns:p="http://schemas.openxmlformats.org/presentationml/2006/main">
   <p:cSld>
     <p:spTree>
@@ -11978,7 +11778,7 @@
 </p:sld>
 </file>
 
-<file path=ppt/slides/slide59.xml><?xml version="1.0" encoding="utf-8"?>
+<file path=ppt/slides/slide58.xml><?xml version="1.0" encoding="utf-8"?>
 <p:sld xmlns:a="http://schemas.openxmlformats.org/drawingml/2006/main" xmlns:r="http://schemas.openxmlformats.org/officeDocument/2006/relationships" xmlns:p="http://schemas.openxmlformats.org/presentationml/2006/main">
   <p:cSld>
     <p:spTree>
@@ -12085,6 +11885,129 @@
     <p:extLst>
       <p:ext uri="{BB962C8B-B14F-4D97-AF65-F5344CB8AC3E}">
         <p14:creationId xmlns:p14="http://schemas.microsoft.com/office/powerpoint/2010/main" val="2239363266"/>
+      </p:ext>
+    </p:extLst>
+  </p:cSld>
+  <p:clrMapOvr>
+    <a:masterClrMapping/>
+  </p:clrMapOvr>
+  <p:timing>
+    <p:tnLst>
+      <p:par>
+        <p:cTn id="1" dur="indefinite" restart="never" nodeType="tmRoot"/>
+      </p:par>
+    </p:tnLst>
+  </p:timing>
+</p:sld>
+</file>
+
+<file path=ppt/slides/slide59.xml><?xml version="1.0" encoding="utf-8"?>
+<p:sld xmlns:a="http://schemas.openxmlformats.org/drawingml/2006/main" xmlns:r="http://schemas.openxmlformats.org/officeDocument/2006/relationships" xmlns:p="http://schemas.openxmlformats.org/presentationml/2006/main">
+  <p:cSld>
+    <p:spTree>
+      <p:nvGrpSpPr>
+        <p:cNvPr id="1" name=""/>
+        <p:cNvGrpSpPr/>
+        <p:nvPr/>
+      </p:nvGrpSpPr>
+      <p:grpSpPr>
+        <a:xfrm>
+          <a:off x="0" y="0"/>
+          <a:ext cx="0" cy="0"/>
+          <a:chOff x="0" y="0"/>
+          <a:chExt cx="0" cy="0"/>
+        </a:xfrm>
+      </p:grpSpPr>
+      <p:sp>
+        <p:nvSpPr>
+          <p:cNvPr id="2" name="Title 1"/>
+          <p:cNvSpPr>
+            <a:spLocks noGrp="1"/>
+          </p:cNvSpPr>
+          <p:nvPr>
+            <p:ph type="title"/>
+          </p:nvPr>
+        </p:nvSpPr>
+        <p:spPr/>
+        <p:txBody>
+          <a:bodyPr/>
+          <a:lstStyle/>
+          <a:p>
+            <a:pPr algn="l"/>
+            <a:r>
+              <a:rPr lang="en-US" dirty="0" smtClean="0"/>
+              <a:t>The HTML</a:t>
+            </a:r>
+            <a:endParaRPr lang="en-US" dirty="0"/>
+          </a:p>
+        </p:txBody>
+      </p:sp>
+      <p:sp>
+        <p:nvSpPr>
+          <p:cNvPr id="3" name="Content Placeholder 2"/>
+          <p:cNvSpPr>
+            <a:spLocks noGrp="1"/>
+          </p:cNvSpPr>
+          <p:nvPr>
+            <p:ph idx="1"/>
+          </p:nvPr>
+        </p:nvSpPr>
+        <p:spPr/>
+        <p:txBody>
+          <a:bodyPr/>
+          <a:lstStyle/>
+          <a:p>
+            <a:pPr marL="0" indent="0">
+              <a:buNone/>
+            </a:pPr>
+            <a:r>
+              <a:rPr lang="en-US" sz="2800" dirty="0" smtClean="0">
+                <a:latin typeface="Tahoma"/>
+                <a:cs typeface="Tahoma"/>
+              </a:rPr>
+              <a:t>The HTML for the form</a:t>
+            </a:r>
+            <a:endParaRPr lang="en-US" sz="2800" dirty="0">
+              <a:latin typeface="Tahoma"/>
+              <a:cs typeface="Tahoma"/>
+            </a:endParaRPr>
+          </a:p>
+        </p:txBody>
+      </p:sp>
+      <p:pic>
+        <p:nvPicPr>
+          <p:cNvPr id="4" name="Picture 3" descr="Screen Shot 2014-04-19 at 10.42.59 PM.png"/>
+          <p:cNvPicPr>
+            <a:picLocks noChangeAspect="1"/>
+          </p:cNvPicPr>
+          <p:nvPr/>
+        </p:nvPicPr>
+        <p:blipFill>
+          <a:blip r:embed="rId2" cstate="print">
+            <a:extLst>
+              <a:ext uri="{28A0092B-C50C-407E-A947-70E740481C1C}">
+                <a14:useLocalDpi xmlns:a14="http://schemas.microsoft.com/office/drawing/2010/main" val="0"/>
+              </a:ext>
+            </a:extLst>
+          </a:blip>
+          <a:stretch>
+            <a:fillRect/>
+          </a:stretch>
+        </p:blipFill>
+        <p:spPr>
+          <a:xfrm>
+            <a:off x="762000" y="2286000"/>
+            <a:ext cx="7315200" cy="3829050"/>
+          </a:xfrm>
+          <a:prstGeom prst="rect">
+            <a:avLst/>
+          </a:prstGeom>
+        </p:spPr>
+      </p:pic>
+    </p:spTree>
+    <p:extLst>
+      <p:ext uri="{BB962C8B-B14F-4D97-AF65-F5344CB8AC3E}">
+        <p14:creationId xmlns:p14="http://schemas.microsoft.com/office/powerpoint/2010/main" val="3755158867"/>
       </p:ext>
     </p:extLst>
   </p:cSld>
@@ -12321,129 +12244,6 @@
             <a:pPr algn="l"/>
             <a:r>
               <a:rPr lang="en-US" dirty="0" smtClean="0"/>
-              <a:t>The HTML</a:t>
-            </a:r>
-            <a:endParaRPr lang="en-US" dirty="0"/>
-          </a:p>
-        </p:txBody>
-      </p:sp>
-      <p:sp>
-        <p:nvSpPr>
-          <p:cNvPr id="3" name="Content Placeholder 2"/>
-          <p:cNvSpPr>
-            <a:spLocks noGrp="1"/>
-          </p:cNvSpPr>
-          <p:nvPr>
-            <p:ph idx="1"/>
-          </p:nvPr>
-        </p:nvSpPr>
-        <p:spPr/>
-        <p:txBody>
-          <a:bodyPr/>
-          <a:lstStyle/>
-          <a:p>
-            <a:pPr marL="0" indent="0">
-              <a:buNone/>
-            </a:pPr>
-            <a:r>
-              <a:rPr lang="en-US" sz="2800" dirty="0" smtClean="0">
-                <a:latin typeface="Tahoma"/>
-                <a:cs typeface="Tahoma"/>
-              </a:rPr>
-              <a:t>The HTML for the form</a:t>
-            </a:r>
-            <a:endParaRPr lang="en-US" sz="2800" dirty="0">
-              <a:latin typeface="Tahoma"/>
-              <a:cs typeface="Tahoma"/>
-            </a:endParaRPr>
-          </a:p>
-        </p:txBody>
-      </p:sp>
-      <p:pic>
-        <p:nvPicPr>
-          <p:cNvPr id="4" name="Picture 3" descr="Screen Shot 2014-04-19 at 10.42.59 PM.png"/>
-          <p:cNvPicPr>
-            <a:picLocks noChangeAspect="1"/>
-          </p:cNvPicPr>
-          <p:nvPr/>
-        </p:nvPicPr>
-        <p:blipFill>
-          <a:blip r:embed="rId2" cstate="print">
-            <a:extLst>
-              <a:ext uri="{28A0092B-C50C-407E-A947-70E740481C1C}">
-                <a14:useLocalDpi xmlns:a14="http://schemas.microsoft.com/office/drawing/2010/main" val="0"/>
-              </a:ext>
-            </a:extLst>
-          </a:blip>
-          <a:stretch>
-            <a:fillRect/>
-          </a:stretch>
-        </p:blipFill>
-        <p:spPr>
-          <a:xfrm>
-            <a:off x="762000" y="2286000"/>
-            <a:ext cx="7315200" cy="3829050"/>
-          </a:xfrm>
-          <a:prstGeom prst="rect">
-            <a:avLst/>
-          </a:prstGeom>
-        </p:spPr>
-      </p:pic>
-    </p:spTree>
-    <p:extLst>
-      <p:ext uri="{BB962C8B-B14F-4D97-AF65-F5344CB8AC3E}">
-        <p14:creationId xmlns:p14="http://schemas.microsoft.com/office/powerpoint/2010/main" val="3755158867"/>
-      </p:ext>
-    </p:extLst>
-  </p:cSld>
-  <p:clrMapOvr>
-    <a:masterClrMapping/>
-  </p:clrMapOvr>
-  <p:timing>
-    <p:tnLst>
-      <p:par>
-        <p:cTn id="1" dur="indefinite" restart="never" nodeType="tmRoot"/>
-      </p:par>
-    </p:tnLst>
-  </p:timing>
-</p:sld>
-</file>
-
-<file path=ppt/slides/slide61.xml><?xml version="1.0" encoding="utf-8"?>
-<p:sld xmlns:a="http://schemas.openxmlformats.org/drawingml/2006/main" xmlns:r="http://schemas.openxmlformats.org/officeDocument/2006/relationships" xmlns:p="http://schemas.openxmlformats.org/presentationml/2006/main">
-  <p:cSld>
-    <p:spTree>
-      <p:nvGrpSpPr>
-        <p:cNvPr id="1" name=""/>
-        <p:cNvGrpSpPr/>
-        <p:nvPr/>
-      </p:nvGrpSpPr>
-      <p:grpSpPr>
-        <a:xfrm>
-          <a:off x="0" y="0"/>
-          <a:ext cx="0" cy="0"/>
-          <a:chOff x="0" y="0"/>
-          <a:chExt cx="0" cy="0"/>
-        </a:xfrm>
-      </p:grpSpPr>
-      <p:sp>
-        <p:nvSpPr>
-          <p:cNvPr id="2" name="Title 1"/>
-          <p:cNvSpPr>
-            <a:spLocks noGrp="1"/>
-          </p:cNvSpPr>
-          <p:nvPr>
-            <p:ph type="title"/>
-          </p:nvPr>
-        </p:nvSpPr>
-        <p:spPr/>
-        <p:txBody>
-          <a:bodyPr/>
-          <a:lstStyle/>
-          <a:p>
-            <a:pPr algn="l"/>
-            <a:r>
-              <a:rPr lang="en-US" dirty="0" smtClean="0"/>
               <a:t>The CSS</a:t>
             </a:r>
             <a:endParaRPr lang="en-US" dirty="0"/>
@@ -12525,6 +12325,158 @@
 </p:sld>
 </file>
 
+<file path=ppt/slides/slide61.xml><?xml version="1.0" encoding="utf-8"?>
+<p:sld xmlns:a="http://schemas.openxmlformats.org/drawingml/2006/main" xmlns:r="http://schemas.openxmlformats.org/officeDocument/2006/relationships" xmlns:p="http://schemas.openxmlformats.org/presentationml/2006/main">
+  <p:cSld>
+    <p:spTree>
+      <p:nvGrpSpPr>
+        <p:cNvPr id="1" name=""/>
+        <p:cNvGrpSpPr/>
+        <p:nvPr/>
+      </p:nvGrpSpPr>
+      <p:grpSpPr>
+        <a:xfrm>
+          <a:off x="0" y="0"/>
+          <a:ext cx="0" cy="0"/>
+          <a:chOff x="0" y="0"/>
+          <a:chExt cx="0" cy="0"/>
+        </a:xfrm>
+      </p:grpSpPr>
+      <p:sp>
+        <p:nvSpPr>
+          <p:cNvPr id="5122" name="Rectangle 2"/>
+          <p:cNvSpPr>
+            <a:spLocks noGrp="1" noChangeArrowheads="1"/>
+          </p:cNvSpPr>
+          <p:nvPr>
+            <p:ph type="title"/>
+          </p:nvPr>
+        </p:nvSpPr>
+        <p:spPr/>
+        <p:txBody>
+          <a:bodyPr/>
+          <a:lstStyle/>
+          <a:p>
+            <a:pPr algn="l"/>
+            <a:r>
+              <a:rPr lang="en-US" dirty="0" smtClean="0"/>
+              <a:t>Summary</a:t>
+            </a:r>
+            <a:endParaRPr lang="en-US" dirty="0"/>
+          </a:p>
+        </p:txBody>
+      </p:sp>
+      <p:sp>
+        <p:nvSpPr>
+          <p:cNvPr id="5123" name="Rectangle 3"/>
+          <p:cNvSpPr>
+            <a:spLocks noGrp="1" noChangeArrowheads="1"/>
+          </p:cNvSpPr>
+          <p:nvPr>
+            <p:ph type="body" idx="1"/>
+          </p:nvPr>
+        </p:nvSpPr>
+        <p:spPr>
+          <a:xfrm>
+            <a:off x="457200" y="1493837"/>
+            <a:ext cx="8229600" cy="4525963"/>
+          </a:xfrm>
+        </p:spPr>
+        <p:txBody>
+          <a:bodyPr/>
+          <a:lstStyle/>
+          <a:p>
+            <a:pPr>
+              <a:buFont typeface="Arial"/>
+              <a:buChar char="•"/>
+            </a:pPr>
+            <a:r>
+              <a:rPr lang="en-US" sz="2800" dirty="0" smtClean="0">
+                <a:latin typeface="Tahoma"/>
+                <a:cs typeface="Tahoma"/>
+              </a:rPr>
+              <a:t>A form contains one or more controls like text boxes, radio button, or check boxes that can receive data</a:t>
+            </a:r>
+          </a:p>
+          <a:p>
+            <a:pPr>
+              <a:buFont typeface="Arial"/>
+              <a:buChar char="•"/>
+            </a:pPr>
+            <a:r>
+              <a:rPr lang="en-US" sz="2800" dirty="0" smtClean="0">
+                <a:latin typeface="Tahoma"/>
+                <a:cs typeface="Tahoma"/>
+              </a:rPr>
+              <a:t>A submit button submits the form data to the server </a:t>
+            </a:r>
+          </a:p>
+          <a:p>
+            <a:pPr>
+              <a:buFont typeface="Arial"/>
+              <a:buChar char="•"/>
+            </a:pPr>
+            <a:r>
+              <a:rPr lang="en-US" sz="2800" dirty="0" smtClean="0">
+                <a:latin typeface="Tahoma"/>
+                <a:cs typeface="Tahoma"/>
+              </a:rPr>
+              <a:t>The controls label, text field, radio, button, check box, drop-down, list boxes and text area</a:t>
+            </a:r>
+          </a:p>
+          <a:p>
+            <a:pPr>
+              <a:buFont typeface="Arial"/>
+              <a:buChar char="•"/>
+            </a:pPr>
+            <a:r>
+              <a:rPr lang="en-US" sz="2800" dirty="0" smtClean="0">
+                <a:latin typeface="Tahoma"/>
+                <a:cs typeface="Tahoma"/>
+              </a:rPr>
+              <a:t>Use file upload control</a:t>
+            </a:r>
+          </a:p>
+          <a:p>
+            <a:pPr>
+              <a:buFont typeface="Arial"/>
+              <a:buChar char="•"/>
+            </a:pPr>
+            <a:r>
+              <a:rPr lang="en-US" sz="2800" dirty="0" smtClean="0">
+                <a:latin typeface="Tahoma"/>
+                <a:cs typeface="Tahoma"/>
+              </a:rPr>
+              <a:t>Use CSS align</a:t>
+            </a:r>
+          </a:p>
+          <a:p>
+            <a:pPr>
+              <a:buFont typeface="Arial"/>
+              <a:buChar char="•"/>
+            </a:pPr>
+            <a:r>
+              <a:rPr lang="en-US" sz="2800" dirty="0" smtClean="0">
+                <a:latin typeface="Tahoma"/>
+                <a:cs typeface="Tahoma"/>
+              </a:rPr>
+              <a:t>The tab order of a form</a:t>
+            </a:r>
+            <a:endParaRPr lang="en-US" sz="2800" dirty="0">
+              <a:latin typeface="Tahoma"/>
+              <a:cs typeface="Tahoma"/>
+            </a:endParaRPr>
+          </a:p>
+        </p:txBody>
+      </p:sp>
+    </p:spTree>
+  </p:cSld>
+  <p:clrMapOvr>
+    <a:masterClrMapping/>
+  </p:clrMapOvr>
+</p:sld>
+</file>
+
 <file path=ppt/slides/slide62.xml><?xml version="1.0" encoding="utf-8"?>
 <p:sld xmlns:a="http://schemas.openxmlformats.org/drawingml/2006/main" xmlns:r="http://schemas.openxmlformats.org/officeDocument/2006/relationships" xmlns:p="http://schemas.openxmlformats.org/presentationml/2006/main">
   <p:cSld>
@@ -12544,158 +12496,6 @@
       </p:grpSpPr>
       <p:sp>
         <p:nvSpPr>
-          <p:cNvPr id="5122" name="Rectangle 2"/>
-          <p:cNvSpPr>
-            <a:spLocks noGrp="1" noChangeArrowheads="1"/>
-          </p:cNvSpPr>
-          <p:nvPr>
-            <p:ph type="title"/>
-          </p:nvPr>
-        </p:nvSpPr>
-        <p:spPr/>
-        <p:txBody>
-          <a:bodyPr/>
-          <a:lstStyle/>
-          <a:p>
-            <a:pPr algn="l"/>
-            <a:r>
-              <a:rPr lang="en-US" dirty="0" smtClean="0"/>
-              <a:t>Summary</a:t>
-            </a:r>
-            <a:endParaRPr lang="en-US" dirty="0"/>
-          </a:p>
-        </p:txBody>
-      </p:sp>
-      <p:sp>
-        <p:nvSpPr>
-          <p:cNvPr id="5123" name="Rectangle 3"/>
-          <p:cNvSpPr>
-            <a:spLocks noGrp="1" noChangeArrowheads="1"/>
-          </p:cNvSpPr>
-          <p:nvPr>
-            <p:ph type="body" idx="1"/>
-          </p:nvPr>
-        </p:nvSpPr>
-        <p:spPr>
-          <a:xfrm>
-            <a:off x="457200" y="1493837"/>
-            <a:ext cx="8229600" cy="4525963"/>
-          </a:xfrm>
-        </p:spPr>
-        <p:txBody>
-          <a:bodyPr/>
-          <a:lstStyle/>
-          <a:p>
-            <a:pPr>
-              <a:buFont typeface="Arial"/>
-              <a:buChar char="•"/>
-            </a:pPr>
-            <a:r>
-              <a:rPr lang="en-US" sz="2800" dirty="0" smtClean="0">
-                <a:latin typeface="Tahoma"/>
-                <a:cs typeface="Tahoma"/>
-              </a:rPr>
-              <a:t>A form contains one or more controls like text boxes, radio button, or check boxes that can receive data</a:t>
-            </a:r>
-          </a:p>
-          <a:p>
-            <a:pPr>
-              <a:buFont typeface="Arial"/>
-              <a:buChar char="•"/>
-            </a:pPr>
-            <a:r>
-              <a:rPr lang="en-US" sz="2800" dirty="0" smtClean="0">
-                <a:latin typeface="Tahoma"/>
-                <a:cs typeface="Tahoma"/>
-              </a:rPr>
-              <a:t>A submit button submits the form data to the server </a:t>
-            </a:r>
-          </a:p>
-          <a:p>
-            <a:pPr>
-              <a:buFont typeface="Arial"/>
-              <a:buChar char="•"/>
-            </a:pPr>
-            <a:r>
-              <a:rPr lang="en-US" sz="2800" dirty="0" smtClean="0">
-                <a:latin typeface="Tahoma"/>
-                <a:cs typeface="Tahoma"/>
-              </a:rPr>
-              <a:t>The controls label, text field, radio, button, check box, drop-down, list boxes and text area</a:t>
-            </a:r>
-          </a:p>
-          <a:p>
-            <a:pPr>
-              <a:buFont typeface="Arial"/>
-              <a:buChar char="•"/>
-            </a:pPr>
-            <a:r>
-              <a:rPr lang="en-US" sz="2800" dirty="0" smtClean="0">
-                <a:latin typeface="Tahoma"/>
-                <a:cs typeface="Tahoma"/>
-              </a:rPr>
-              <a:t>Use file upload control</a:t>
-            </a:r>
-          </a:p>
-          <a:p>
-            <a:pPr>
-              <a:buFont typeface="Arial"/>
-              <a:buChar char="•"/>
-            </a:pPr>
-            <a:r>
-              <a:rPr lang="en-US" sz="2800" dirty="0" smtClean="0">
-                <a:latin typeface="Tahoma"/>
-                <a:cs typeface="Tahoma"/>
-              </a:rPr>
-              <a:t>Use CSS align</a:t>
-            </a:r>
-          </a:p>
-          <a:p>
-            <a:pPr>
-              <a:buFont typeface="Arial"/>
-              <a:buChar char="•"/>
-            </a:pPr>
-            <a:r>
-              <a:rPr lang="en-US" sz="2800" dirty="0" smtClean="0">
-                <a:latin typeface="Tahoma"/>
-                <a:cs typeface="Tahoma"/>
-              </a:rPr>
-              <a:t>The tab order of a form</a:t>
-            </a:r>
-            <a:endParaRPr lang="en-US" sz="2800" dirty="0">
-              <a:latin typeface="Tahoma"/>
-              <a:cs typeface="Tahoma"/>
-            </a:endParaRPr>
-          </a:p>
-        </p:txBody>
-      </p:sp>
-    </p:spTree>
-  </p:cSld>
-  <p:clrMapOvr>
-    <a:masterClrMapping/>
-  </p:clrMapOvr>
-</p:sld>
-</file>
-
-<file path=ppt/slides/slide63.xml><?xml version="1.0" encoding="utf-8"?>
-<p:sld xmlns:a="http://schemas.openxmlformats.org/drawingml/2006/main" xmlns:r="http://schemas.openxmlformats.org/officeDocument/2006/relationships" xmlns:p="http://schemas.openxmlformats.org/presentationml/2006/main">
-  <p:cSld>
-    <p:spTree>
-      <p:nvGrpSpPr>
-        <p:cNvPr id="1" name=""/>
-        <p:cNvGrpSpPr/>
-        <p:nvPr/>
-      </p:nvGrpSpPr>
-      <p:grpSpPr>
-        <a:xfrm>
-          <a:off x="0" y="0"/>
-          <a:ext cx="0" cy="0"/>
-          <a:chOff x="0" y="0"/>
-          <a:chExt cx="0" cy="0"/>
-        </a:xfrm>
-      </p:grpSpPr>
-      <p:sp>
-        <p:nvSpPr>
           <p:cNvPr id="2" name="Title 1"/>
           <p:cNvSpPr>
             <a:spLocks noGrp="1"/>
@@ -12823,7 +12623,7 @@
 </p:sld>
 </file>
 
-<file path=ppt/slides/slide64.xml><?xml version="1.0" encoding="utf-8"?>
+<file path=ppt/slides/slide63.xml><?xml version="1.0" encoding="utf-8"?>
 <p:sld xmlns:a="http://schemas.openxmlformats.org/drawingml/2006/main" xmlns:r="http://schemas.openxmlformats.org/officeDocument/2006/relationships" xmlns:p="http://schemas.openxmlformats.org/presentationml/2006/main">
   <p:cSld>
     <p:spTree>

--- a/M35-HTML-CSS/Session 14-15/Chapter 13 How to work with forms Reviewed.pptx
+++ b/M35-HTML-CSS/Session 14-15/Chapter 13 How to work with forms Reviewed.pptx
@@ -301,7 +301,7 @@
             <a:fld id="{524DC8F9-1DCD-4754-A44C-6EBB62BDA97B}" type="datetimeFigureOut">
               <a:rPr lang="en-US" smtClean="0"/>
               <a:pPr/>
-              <a:t>5/16/2020</a:t>
+              <a:t>5/18/2020</a:t>
             </a:fld>
             <a:endParaRPr lang="en-US"/>
           </a:p>
